--- a/res/TrackServer.pptx
+++ b/res/TrackServer.pptx
@@ -3103,7 +3103,7 @@
         </p:nvSpPr>
         <p:spPr>
           <a:xfrm>
-            <a:off x="318763" y="1957061"/>
+            <a:off x="318763" y="2519653"/>
             <a:ext cx="1195979" cy="600699"/>
           </a:xfrm>
           <a:prstGeom prst="roundRect">
@@ -3145,7 +3145,7 @@
         </p:nvSpPr>
         <p:spPr>
           <a:xfrm>
-            <a:off x="1833591" y="1417920"/>
+            <a:off x="1831783" y="2519653"/>
             <a:ext cx="2170024" cy="1674343"/>
           </a:xfrm>
           <a:prstGeom prst="cloud">
@@ -3751,14 +3751,13 @@
           <p:cNvPr id="55" name="Straight Arrow Connector 54"/>
           <p:cNvCxnSpPr>
             <a:stCxn id="4" idx="3"/>
-            <a:endCxn id="5" idx="2"/>
           </p:cNvCxnSpPr>
           <p:nvPr/>
         </p:nvCxnSpPr>
         <p:spPr>
-          <a:xfrm flipV="1">
-            <a:off x="1514742" y="2255092"/>
-            <a:ext cx="325580" cy="2319"/>
+          <a:xfrm>
+            <a:off x="1514742" y="2820003"/>
+            <a:ext cx="519655" cy="126625"/>
           </a:xfrm>
           <a:prstGeom prst="straightConnector1">
             <a:avLst/>
@@ -3786,15 +3785,112 @@
         <p:nvCxnSpPr>
           <p:cNvPr id="57" name="Straight Arrow Connector 56"/>
           <p:cNvCxnSpPr>
-            <a:stCxn id="5" idx="0"/>
             <a:endCxn id="23" idx="1"/>
           </p:cNvCxnSpPr>
           <p:nvPr/>
         </p:nvCxnSpPr>
         <p:spPr>
+          <a:xfrm flipV="1">
+            <a:off x="3883850" y="2255092"/>
+            <a:ext cx="516123" cy="564911"/>
+          </a:xfrm>
+          <a:prstGeom prst="straightConnector1">
+            <a:avLst/>
+          </a:prstGeom>
+          <a:ln>
+            <a:tailEnd type="arrow"/>
+          </a:ln>
+        </p:spPr>
+        <p:style>
+          <a:lnRef idx="2">
+            <a:schemeClr val="accent1"/>
+          </a:lnRef>
+          <a:fillRef idx="0">
+            <a:schemeClr val="accent1"/>
+          </a:fillRef>
+          <a:effectRef idx="1">
+            <a:schemeClr val="accent1"/>
+          </a:effectRef>
+          <a:fontRef idx="minor">
+            <a:schemeClr val="tx1"/>
+          </a:fontRef>
+        </p:style>
+      </p:cxnSp>
+      <p:pic>
+        <p:nvPicPr>
+          <p:cNvPr id="62" name="Picture 61" descr="chrome-log.png"/>
+          <p:cNvPicPr>
+            <a:picLocks noChangeAspect="1"/>
+          </p:cNvPicPr>
+          <p:nvPr/>
+        </p:nvPicPr>
+        <p:blipFill>
+          <a:blip r:embed="rId3">
+            <a:extLst>
+              <a:ext uri="{28A0092B-C50C-407E-A947-70E740481C1C}">
+                <a14:useLocalDpi xmlns:a14="http://schemas.microsoft.com/office/drawing/2010/main" val="0"/>
+              </a:ext>
+            </a:extLst>
+          </a:blip>
+          <a:stretch>
+            <a:fillRect/>
+          </a:stretch>
+        </p:blipFill>
+        <p:spPr>
           <a:xfrm>
-            <a:off x="4001807" y="2255092"/>
-            <a:ext cx="398166" cy="0"/>
+            <a:off x="884120" y="3408276"/>
+            <a:ext cx="630622" cy="630622"/>
+          </a:xfrm>
+          <a:prstGeom prst="rect">
+            <a:avLst/>
+          </a:prstGeom>
+        </p:spPr>
+      </p:pic>
+      <p:cxnSp>
+        <p:nvCxnSpPr>
+          <p:cNvPr id="64" name="Straight Arrow Connector 63"/>
+          <p:cNvCxnSpPr>
+            <a:stCxn id="62" idx="3"/>
+          </p:cNvCxnSpPr>
+          <p:nvPr/>
+        </p:nvCxnSpPr>
+        <p:spPr>
+          <a:xfrm flipV="1">
+            <a:off x="1514742" y="3566940"/>
+            <a:ext cx="350323" cy="156647"/>
+          </a:xfrm>
+          <a:prstGeom prst="straightConnector1">
+            <a:avLst/>
+          </a:prstGeom>
+          <a:ln>
+            <a:tailEnd type="arrow"/>
+          </a:ln>
+        </p:spPr>
+        <p:style>
+          <a:lnRef idx="2">
+            <a:schemeClr val="accent1"/>
+          </a:lnRef>
+          <a:fillRef idx="0">
+            <a:schemeClr val="accent1"/>
+          </a:fillRef>
+          <a:effectRef idx="1">
+            <a:schemeClr val="accent1"/>
+          </a:effectRef>
+          <a:fontRef idx="minor">
+            <a:schemeClr val="tx1"/>
+          </a:fontRef>
+        </p:style>
+      </p:cxnSp>
+      <p:cxnSp>
+        <p:nvCxnSpPr>
+          <p:cNvPr id="66" name="Straight Arrow Connector 65"/>
+          <p:cNvCxnSpPr/>
+          <p:nvPr/>
+        </p:nvCxnSpPr>
+        <p:spPr>
+          <a:xfrm>
+            <a:off x="3883850" y="3667184"/>
+            <a:ext cx="1069241" cy="737861"/>
           </a:xfrm>
           <a:prstGeom prst="straightConnector1">
             <a:avLst/>
